--- a/2020/09/17/an-introduction-to-automated-testing-for-web-applications-by-example-with-symfony/static-structure.pptx
+++ b/2020/09/17/an-introduction-to-automated-testing-for-web-applications-by-example-with-symfony/static-structure.pptx
@@ -3205,51 +3205,6 @@
         </p:nvSpPr>
         <p:spPr bwMode="auto">
           <a:xfrm flipH="0" flipV="0">
-            <a:off x="4363425" y="733424"/>
-            <a:ext cx="2495549" cy="676274"/>
-          </a:xfrm>
-          <a:prstGeom prst="rect">
-            <a:avLst/>
-          </a:prstGeom>
-        </p:spPr>
-        <p:style>
-          <a:lnRef idx="2">
-            <a:schemeClr val="accent1">
-              <a:shade val="50000"/>
-            </a:schemeClr>
-          </a:lnRef>
-          <a:fillRef idx="1">
-            <a:schemeClr val="accent1"/>
-          </a:fillRef>
-          <a:effectRef idx="0">
-            <a:schemeClr val="accent1"/>
-          </a:effectRef>
-          <a:fontRef idx="minor">
-            <a:schemeClr val="lt1"/>
-          </a:fontRef>
-        </p:style>
-        <p:txBody>
-          <a:bodyPr vertOverflow="overflow" horzOverflow="clip" vert="horz" wrap="square" lIns="91440" tIns="45720" rIns="91440" bIns="45720" numCol="1" spcCol="0" rtlCol="0" fromWordArt="0" anchor="ctr" anchorCtr="0" forceAA="0" upright="0" compatLnSpc="0"/>
-          <a:p>
-            <a:pPr algn="ctr">
-              <a:defRPr/>
-            </a:pPr>
-            <a:r>
-              <a:rPr/>
-              <a:t>Template</a:t>
-            </a:r>
-            <a:endParaRPr/>
-          </a:p>
-        </p:txBody>
-      </p:sp>
-      <p:sp>
-        <p:nvSpPr>
-          <p:cNvPr id="5" name="" hidden="0"/>
-          <p:cNvSpPr/>
-          <p:nvPr isPhoto="0" userDrawn="0"/>
-        </p:nvSpPr>
-        <p:spPr bwMode="auto">
-          <a:xfrm flipH="0" flipV="0">
             <a:off x="4363425" y="1930908"/>
             <a:ext cx="2495549" cy="676274"/>
           </a:xfrm>
@@ -3289,7 +3244,7 @@
       </p:sp>
       <p:sp>
         <p:nvSpPr>
-          <p:cNvPr id="6" name="" hidden="0"/>
+          <p:cNvPr id="5" name="" hidden="0"/>
           <p:cNvSpPr/>
           <p:nvPr isPhoto="0" userDrawn="0"/>
         </p:nvSpPr>
@@ -3334,7 +3289,7 @@
       </p:sp>
       <p:sp>
         <p:nvSpPr>
-          <p:cNvPr id="7" name="" hidden="0"/>
+          <p:cNvPr id="6" name="" hidden="0"/>
           <p:cNvSpPr/>
           <p:nvPr isPhoto="0" userDrawn="0"/>
         </p:nvSpPr>
@@ -3383,7 +3338,7 @@
       </p:sp>
       <p:sp>
         <p:nvSpPr>
-          <p:cNvPr id="8" name="" hidden="0"/>
+          <p:cNvPr id="7" name="" hidden="0"/>
           <p:cNvSpPr/>
           <p:nvPr isPhoto="0" userDrawn="0"/>
         </p:nvSpPr>
@@ -3428,7 +3383,7 @@
       </p:sp>
       <p:sp>
         <p:nvSpPr>
-          <p:cNvPr id="9" name="" hidden="0"/>
+          <p:cNvPr id="8" name="" hidden="0"/>
           <p:cNvSpPr/>
           <p:nvPr isPhoto="0" userDrawn="0"/>
         </p:nvSpPr>
@@ -3473,42 +3428,7 @@
       </p:sp>
       <p:sp>
         <p:nvSpPr>
-          <p:cNvPr id="10" name="" hidden="0"/>
-          <p:cNvSpPr/>
-          <p:nvPr isPhoto="0" userDrawn="0"/>
-        </p:nvSpPr>
-        <p:spPr bwMode="auto">
-          <a:xfrm flipH="0" flipV="0">
-            <a:off x="5368883" y="1409699"/>
-            <a:ext cx="484631" cy="521208"/>
-          </a:xfrm>
-          <a:prstGeom prst="downArrow">
-            <a:avLst>
-              <a:gd name="adj1" fmla="val 31446"/>
-              <a:gd name="adj2" fmla="val 50000"/>
-            </a:avLst>
-          </a:prstGeom>
-        </p:spPr>
-        <p:style>
-          <a:lnRef idx="2">
-            <a:schemeClr val="accent1">
-              <a:shade val="50000"/>
-            </a:schemeClr>
-          </a:lnRef>
-          <a:fillRef idx="1">
-            <a:schemeClr val="accent1"/>
-          </a:fillRef>
-          <a:effectRef idx="0">
-            <a:schemeClr val="accent1"/>
-          </a:effectRef>
-          <a:fontRef idx="minor">
-            <a:schemeClr val="lt1"/>
-          </a:fontRef>
-        </p:style>
-      </p:sp>
-      <p:sp>
-        <p:nvSpPr>
-          <p:cNvPr id="11" name="" hidden="0"/>
+          <p:cNvPr id="9" name="" hidden="0"/>
           <p:cNvSpPr/>
           <p:nvPr isPhoto="0" userDrawn="0"/>
         </p:nvSpPr>
@@ -3543,7 +3463,7 @@
       </p:sp>
       <p:sp>
         <p:nvSpPr>
-          <p:cNvPr id="12" name="" hidden="0"/>
+          <p:cNvPr id="10" name="" hidden="0"/>
           <p:cNvSpPr/>
           <p:nvPr isPhoto="0" userDrawn="0"/>
         </p:nvSpPr>
@@ -3578,7 +3498,7 @@
       </p:sp>
       <p:sp>
         <p:nvSpPr>
-          <p:cNvPr id="13" name="" hidden="0"/>
+          <p:cNvPr id="11" name="" hidden="0"/>
           <p:cNvSpPr/>
           <p:nvPr isPhoto="0" userDrawn="0"/>
         </p:nvSpPr>
@@ -3846,7 +3766,7 @@
           <p:nvPr isPhoto="0" userDrawn="0"/>
         </p:nvCxnSpPr>
         <p:spPr bwMode="auto">
-          <a:xfrm rot="10799990" flipH="1" flipV="0">
+          <a:xfrm rot="10799989" flipH="1" flipV="0">
             <a:off x="5678956" y="3190412"/>
             <a:ext cx="4031941" cy="0"/>
           </a:xfrm>
@@ -3887,7 +3807,7 @@
           <p:nvPr isPhoto="0" userDrawn="0"/>
         </p:nvCxnSpPr>
         <p:spPr bwMode="auto">
-          <a:xfrm rot="10799990" flipH="1" flipV="0">
+          <a:xfrm rot="10799989" flipH="1" flipV="0">
             <a:off x="4643227" y="4605290"/>
             <a:ext cx="6103397" cy="0"/>
           </a:xfrm>
@@ -3926,7 +3846,7 @@
           <p:nvPr isPhoto="0" userDrawn="0"/>
         </p:nvSpPr>
         <p:spPr bwMode="auto">
-          <a:xfrm rot="2154539" flipH="0" flipV="0">
+          <a:xfrm rot="2154538" flipH="0" flipV="0">
             <a:off x="5040912" y="-306862"/>
             <a:ext cx="484631" cy="6643370"/>
           </a:xfrm>
